--- a/PRIMER_DIA/NORMAS DE CONVIVENCIA.pptx
+++ b/PRIMER_DIA/NORMAS DE CONVIVENCIA.pptx
@@ -10054,7 +10054,7 @@
               <a:pPr>
                 <a:defRPr/>
               </a:pPr>
-              <a:t>26/08/2017</a:t>
+              <a:t>30/08/2017</a:t>
             </a:fld>
             <a:endParaRPr lang="es-PE"/>
           </a:p>
@@ -14283,7 +14283,7 @@
         </p:nvSpPr>
         <p:spPr bwMode="auto">
           <a:xfrm>
-            <a:off x="442913" y="1657350"/>
+            <a:off x="442913" y="1544226"/>
             <a:ext cx="8377237" cy="5262979"/>
           </a:xfrm>
           <a:prstGeom prst="rect">
@@ -14432,17 +14432,8 @@
               <a:rPr lang="es-ES" sz="2800" b="1" dirty="0" smtClean="0">
                 <a:latin typeface="Calibri" pitchFamily="34" charset="0"/>
               </a:rPr>
-              <a:t>Asista puntualmente a </a:t>
+              <a:t>Asista puntualmente a clases (15 minutos de tolerancia). El ingreso será después del receso.</a:t>
             </a:r>
-            <a:r>
-              <a:rPr lang="es-ES" sz="2800" b="1" dirty="0" smtClean="0">
-                <a:latin typeface="Calibri" pitchFamily="34" charset="0"/>
-              </a:rPr>
-              <a:t>clases (15 minutos de tolerancia). El ingreso será después del receso.</a:t>
-            </a:r>
-            <a:endParaRPr lang="es-ES" sz="2800" b="1" dirty="0" smtClean="0">
-              <a:latin typeface="Calibri" pitchFamily="34" charset="0"/>
-            </a:endParaRPr>
           </a:p>
           <a:p>
             <a:pPr marL="273050" indent="-273050" eaLnBrk="1" hangingPunct="1">
